--- a/docs/diagrams/ModelComponentClassBetterOopDiagram.pptx
+++ b/docs/diagrams/ModelComponentClassBetterOopDiagram.pptx
@@ -208,7 +208,7 @@
           <a:p>
             <a:fld id="{F5CC4B3F-88C1-4FFA-B1B6-F41C21DC6924}" type="datetimeFigureOut">
               <a:rPr lang="en-US" smtClean="0"/>
-              <a:t>6/27/2018</a:t>
+              <a:t>11/11/18</a:t>
             </a:fld>
             <a:endParaRPr lang="en-US"/>
           </a:p>
@@ -654,7 +654,7 @@
           <a:p>
             <a:fld id="{78C97017-6FC3-485B-9764-EAC9E56C1D49}" type="datetimeFigureOut">
               <a:rPr lang="en-US" smtClean="0"/>
-              <a:t>6/27/2018</a:t>
+              <a:t>11/11/18</a:t>
             </a:fld>
             <a:endParaRPr lang="en-US"/>
           </a:p>
@@ -822,7 +822,7 @@
           <a:p>
             <a:fld id="{78C97017-6FC3-485B-9764-EAC9E56C1D49}" type="datetimeFigureOut">
               <a:rPr lang="en-US" smtClean="0"/>
-              <a:t>6/27/2018</a:t>
+              <a:t>11/11/18</a:t>
             </a:fld>
             <a:endParaRPr lang="en-US"/>
           </a:p>
@@ -1000,7 +1000,7 @@
           <a:p>
             <a:fld id="{78C97017-6FC3-485B-9764-EAC9E56C1D49}" type="datetimeFigureOut">
               <a:rPr lang="en-US" smtClean="0"/>
-              <a:t>6/27/2018</a:t>
+              <a:t>11/11/18</a:t>
             </a:fld>
             <a:endParaRPr lang="en-US"/>
           </a:p>
@@ -1168,7 +1168,7 @@
           <a:p>
             <a:fld id="{78C97017-6FC3-485B-9764-EAC9E56C1D49}" type="datetimeFigureOut">
               <a:rPr lang="en-US" smtClean="0"/>
-              <a:t>6/27/2018</a:t>
+              <a:t>11/11/18</a:t>
             </a:fld>
             <a:endParaRPr lang="en-US"/>
           </a:p>
@@ -1413,7 +1413,7 @@
           <a:p>
             <a:fld id="{78C97017-6FC3-485B-9764-EAC9E56C1D49}" type="datetimeFigureOut">
               <a:rPr lang="en-US" smtClean="0"/>
-              <a:t>6/27/2018</a:t>
+              <a:t>11/11/18</a:t>
             </a:fld>
             <a:endParaRPr lang="en-US"/>
           </a:p>
@@ -1698,7 +1698,7 @@
           <a:p>
             <a:fld id="{78C97017-6FC3-485B-9764-EAC9E56C1D49}" type="datetimeFigureOut">
               <a:rPr lang="en-US" smtClean="0"/>
-              <a:t>6/27/2018</a:t>
+              <a:t>11/11/18</a:t>
             </a:fld>
             <a:endParaRPr lang="en-US"/>
           </a:p>
@@ -2117,7 +2117,7 @@
           <a:p>
             <a:fld id="{78C97017-6FC3-485B-9764-EAC9E56C1D49}" type="datetimeFigureOut">
               <a:rPr lang="en-US" smtClean="0"/>
-              <a:t>6/27/2018</a:t>
+              <a:t>11/11/18</a:t>
             </a:fld>
             <a:endParaRPr lang="en-US"/>
           </a:p>
@@ -2234,7 +2234,7 @@
           <a:p>
             <a:fld id="{78C97017-6FC3-485B-9764-EAC9E56C1D49}" type="datetimeFigureOut">
               <a:rPr lang="en-US" smtClean="0"/>
-              <a:t>6/27/2018</a:t>
+              <a:t>11/11/18</a:t>
             </a:fld>
             <a:endParaRPr lang="en-US"/>
           </a:p>
@@ -2329,7 +2329,7 @@
           <a:p>
             <a:fld id="{78C97017-6FC3-485B-9764-EAC9E56C1D49}" type="datetimeFigureOut">
               <a:rPr lang="en-US" smtClean="0"/>
-              <a:t>6/27/2018</a:t>
+              <a:t>11/11/18</a:t>
             </a:fld>
             <a:endParaRPr lang="en-US"/>
           </a:p>
@@ -2604,7 +2604,7 @@
           <a:p>
             <a:fld id="{78C97017-6FC3-485B-9764-EAC9E56C1D49}" type="datetimeFigureOut">
               <a:rPr lang="en-US" smtClean="0"/>
-              <a:t>6/27/2018</a:t>
+              <a:t>11/11/18</a:t>
             </a:fld>
             <a:endParaRPr lang="en-US"/>
           </a:p>
@@ -2856,7 +2856,7 @@
           <a:p>
             <a:fld id="{78C97017-6FC3-485B-9764-EAC9E56C1D49}" type="datetimeFigureOut">
               <a:rPr lang="en-US" smtClean="0"/>
-              <a:t>6/27/2018</a:t>
+              <a:t>11/11/18</a:t>
             </a:fld>
             <a:endParaRPr lang="en-US"/>
           </a:p>
@@ -3067,7 +3067,7 @@
           <a:p>
             <a:fld id="{78C97017-6FC3-485B-9764-EAC9E56C1D49}" type="datetimeFigureOut">
               <a:rPr lang="en-US" smtClean="0"/>
-              <a:t>6/27/2018</a:t>
+              <a:t>11/11/18</a:t>
             </a:fld>
             <a:endParaRPr lang="en-US"/>
           </a:p>
@@ -3450,8 +3450,8 @@
         </p:nvSpPr>
         <p:spPr>
           <a:xfrm>
-            <a:off x="1119865" y="1676400"/>
-            <a:ext cx="7490735" cy="3059747"/>
+            <a:off x="1119865" y="1524000"/>
+            <a:ext cx="7490735" cy="4267200"/>
           </a:xfrm>
           <a:prstGeom prst="roundRect">
             <a:avLst>
@@ -3992,12 +3992,12 @@
           <a:p>
             <a:pPr algn="ctr"/>
             <a:r>
-              <a:rPr lang="en-US" sz="1050" dirty="0" err="1" smtClean="0">
+              <a:rPr lang="en-US" sz="1050" dirty="0" err="1">
                 <a:solidFill>
                   <a:srgbClr val="7030A0"/>
                 </a:solidFill>
               </a:rPr>
-              <a:t>VersionedAddressBook</a:t>
+              <a:t>VersionedSsenisub</a:t>
             </a:r>
             <a:endParaRPr lang="en-SG" sz="1050" dirty="0">
               <a:solidFill>
@@ -4382,14 +4382,100 @@
       </p:cxnSp>
       <p:sp>
         <p:nvSpPr>
-          <p:cNvPr id="76" name="Rectangle 8"/>
+          <p:cNvPr id="78" name="Flowchart: Decision 96"/>
           <p:cNvSpPr/>
           <p:nvPr/>
         </p:nvSpPr>
         <p:spPr>
           <a:xfrm>
-            <a:off x="7712397" y="2564238"/>
-            <a:ext cx="708186" cy="285783"/>
+            <a:off x="7041947" y="2948201"/>
+            <a:ext cx="236048" cy="173380"/>
+          </a:xfrm>
+          <a:prstGeom prst="flowChartDecision">
+            <a:avLst/>
+          </a:prstGeom>
+          <a:solidFill>
+            <a:srgbClr val="7030A0"/>
+          </a:solidFill>
+          <a:ln w="19050">
+            <a:solidFill>
+              <a:srgbClr val="7030A0"/>
+            </a:solidFill>
+          </a:ln>
+          <a:effectLst/>
+        </p:spPr>
+        <p:style>
+          <a:lnRef idx="1">
+            <a:schemeClr val="accent6"/>
+          </a:lnRef>
+          <a:fillRef idx="2">
+            <a:schemeClr val="accent6"/>
+          </a:fillRef>
+          <a:effectRef idx="1">
+            <a:schemeClr val="accent6"/>
+          </a:effectRef>
+          <a:fontRef idx="minor">
+            <a:schemeClr val="dk1"/>
+          </a:fontRef>
+        </p:style>
+        <p:txBody>
+          <a:bodyPr rtlCol="0" anchor="ctr"/>
+          <a:lstStyle/>
+          <a:p>
+            <a:pPr algn="ctr"/>
+            <a:endParaRPr lang="en-US" sz="1050"/>
+          </a:p>
+        </p:txBody>
+      </p:sp>
+      <p:sp>
+        <p:nvSpPr>
+          <p:cNvPr id="114" name="TextBox 113"/>
+          <p:cNvSpPr txBox="1"/>
+          <p:nvPr/>
+        </p:nvSpPr>
+        <p:spPr>
+          <a:xfrm rot="16200000">
+            <a:off x="6362886" y="3586305"/>
+            <a:ext cx="881018" cy="261610"/>
+          </a:xfrm>
+          <a:prstGeom prst="rect">
+            <a:avLst/>
+          </a:prstGeom>
+          <a:noFill/>
+        </p:spPr>
+        <p:txBody>
+          <a:bodyPr wrap="square" rtlCol="0">
+            <a:spAutoFit/>
+          </a:bodyPr>
+          <a:lstStyle/>
+          <a:p>
+            <a:pPr algn="r"/>
+            <a:r>
+              <a:rPr lang="en-US" sz="1100" dirty="0">
+                <a:solidFill>
+                  <a:srgbClr val="7030A0"/>
+                </a:solidFill>
+              </a:rPr>
+              <a:t>filtered list</a:t>
+            </a:r>
+            <a:endParaRPr lang="en-SG" sz="1100" dirty="0">
+              <a:solidFill>
+                <a:srgbClr val="7030A0"/>
+              </a:solidFill>
+            </a:endParaRPr>
+          </a:p>
+        </p:txBody>
+      </p:sp>
+      <p:sp>
+        <p:nvSpPr>
+          <p:cNvPr id="122" name="Rectangle 8"/>
+          <p:cNvSpPr/>
+          <p:nvPr/>
+        </p:nvSpPr>
+        <p:spPr>
+          <a:xfrm>
+            <a:off x="2057401" y="4239491"/>
+            <a:ext cx="1066800" cy="346760"/>
           </a:xfrm>
           <a:prstGeom prst="rect">
             <a:avLst/>
@@ -4426,488 +4512,7 @@
                   <a:srgbClr val="7030A0"/>
                 </a:solidFill>
               </a:rPr>
-              <a:t>Name</a:t>
-            </a:r>
-            <a:endParaRPr lang="en-SG" sz="1050" dirty="0">
-              <a:solidFill>
-                <a:srgbClr val="7030A0"/>
-              </a:solidFill>
-            </a:endParaRPr>
-          </a:p>
-        </p:txBody>
-      </p:sp>
-      <p:sp>
-        <p:nvSpPr>
-          <p:cNvPr id="78" name="Flowchart: Decision 96"/>
-          <p:cNvSpPr/>
-          <p:nvPr/>
-        </p:nvSpPr>
-        <p:spPr>
-          <a:xfrm>
-            <a:off x="7041947" y="2948201"/>
-            <a:ext cx="236048" cy="173380"/>
-          </a:xfrm>
-          <a:prstGeom prst="flowChartDecision">
-            <a:avLst/>
-          </a:prstGeom>
-          <a:solidFill>
-            <a:srgbClr val="7030A0"/>
-          </a:solidFill>
-          <a:ln w="19050">
-            <a:solidFill>
-              <a:srgbClr val="7030A0"/>
-            </a:solidFill>
-          </a:ln>
-          <a:effectLst/>
-        </p:spPr>
-        <p:style>
-          <a:lnRef idx="1">
-            <a:schemeClr val="accent6"/>
-          </a:lnRef>
-          <a:fillRef idx="2">
-            <a:schemeClr val="accent6"/>
-          </a:fillRef>
-          <a:effectRef idx="1">
-            <a:schemeClr val="accent6"/>
-          </a:effectRef>
-          <a:fontRef idx="minor">
-            <a:schemeClr val="dk1"/>
-          </a:fontRef>
-        </p:style>
-        <p:txBody>
-          <a:bodyPr rtlCol="0" anchor="ctr"/>
-          <a:lstStyle/>
-          <a:p>
-            <a:pPr algn="ctr"/>
-            <a:endParaRPr lang="en-US" sz="1050"/>
-          </a:p>
-        </p:txBody>
-      </p:sp>
-      <p:cxnSp>
-        <p:nvCxnSpPr>
-          <p:cNvPr id="79" name="Elbow Connector 78"/>
-          <p:cNvCxnSpPr>
-            <a:cxnSpLocks/>
-          </p:cNvCxnSpPr>
-          <p:nvPr/>
-        </p:nvCxnSpPr>
-        <p:spPr>
-          <a:xfrm flipV="1">
-            <a:off x="7277995" y="2706821"/>
-            <a:ext cx="434402" cy="327761"/>
-          </a:xfrm>
-          <a:prstGeom prst="bentConnector3">
-            <a:avLst/>
-          </a:prstGeom>
-          <a:ln w="19050">
-            <a:solidFill>
-              <a:srgbClr val="7030A0"/>
-            </a:solidFill>
-            <a:headEnd type="none" w="med" len="med"/>
-            <a:tailEnd type="arrow" w="med" len="med"/>
-          </a:ln>
-          <a:effectLst/>
-        </p:spPr>
-        <p:style>
-          <a:lnRef idx="1">
-            <a:schemeClr val="accent2"/>
-          </a:lnRef>
-          <a:fillRef idx="2">
-            <a:schemeClr val="accent2"/>
-          </a:fillRef>
-          <a:effectRef idx="1">
-            <a:schemeClr val="accent2"/>
-          </a:effectRef>
-          <a:fontRef idx="minor">
-            <a:schemeClr val="dk1"/>
-          </a:fontRef>
-        </p:style>
-      </p:cxnSp>
-      <p:sp>
-        <p:nvSpPr>
-          <p:cNvPr id="80" name="Rectangle 8"/>
-          <p:cNvSpPr/>
-          <p:nvPr/>
-        </p:nvSpPr>
-        <p:spPr>
-          <a:xfrm>
-            <a:off x="7712397" y="2887216"/>
-            <a:ext cx="708186" cy="285783"/>
-          </a:xfrm>
-          <a:prstGeom prst="rect">
-            <a:avLst/>
-          </a:prstGeom>
-          <a:ln w="19050">
-            <a:solidFill>
-              <a:srgbClr val="7030A0"/>
-            </a:solidFill>
-          </a:ln>
-          <a:effectLst/>
-        </p:spPr>
-        <p:style>
-          <a:lnRef idx="1">
-            <a:schemeClr val="accent4"/>
-          </a:lnRef>
-          <a:fillRef idx="2">
-            <a:schemeClr val="accent4"/>
-          </a:fillRef>
-          <a:effectRef idx="1">
-            <a:schemeClr val="accent4"/>
-          </a:effectRef>
-          <a:fontRef idx="minor">
-            <a:schemeClr val="dk1"/>
-          </a:fontRef>
-        </p:style>
-        <p:txBody>
-          <a:bodyPr rtlCol="0" anchor="ctr"/>
-          <a:lstStyle/>
-          <a:p>
-            <a:pPr algn="ctr"/>
-            <a:r>
-              <a:rPr lang="en-US" sz="1050" dirty="0">
-                <a:solidFill>
-                  <a:srgbClr val="7030A0"/>
-                </a:solidFill>
-              </a:rPr>
-              <a:t>Phone</a:t>
-            </a:r>
-            <a:endParaRPr lang="en-SG" sz="1050" dirty="0">
-              <a:solidFill>
-                <a:srgbClr val="7030A0"/>
-              </a:solidFill>
-            </a:endParaRPr>
-          </a:p>
-        </p:txBody>
-      </p:sp>
-      <p:cxnSp>
-        <p:nvCxnSpPr>
-          <p:cNvPr id="81" name="Elbow Connector 80"/>
-          <p:cNvCxnSpPr>
-            <a:stCxn id="78" idx="3"/>
-            <a:endCxn id="80" idx="1"/>
-          </p:cNvCxnSpPr>
-          <p:nvPr/>
-        </p:nvCxnSpPr>
-        <p:spPr>
-          <a:xfrm flipV="1">
-            <a:off x="7277995" y="3030108"/>
-            <a:ext cx="434402" cy="4783"/>
-          </a:xfrm>
-          <a:prstGeom prst="bentConnector3">
-            <a:avLst/>
-          </a:prstGeom>
-          <a:ln w="19050">
-            <a:solidFill>
-              <a:srgbClr val="7030A0"/>
-            </a:solidFill>
-            <a:headEnd type="none" w="med" len="med"/>
-            <a:tailEnd type="arrow" w="med" len="med"/>
-          </a:ln>
-          <a:effectLst/>
-        </p:spPr>
-        <p:style>
-          <a:lnRef idx="1">
-            <a:schemeClr val="accent2"/>
-          </a:lnRef>
-          <a:fillRef idx="2">
-            <a:schemeClr val="accent2"/>
-          </a:fillRef>
-          <a:effectRef idx="1">
-            <a:schemeClr val="accent2"/>
-          </a:effectRef>
-          <a:fontRef idx="minor">
-            <a:schemeClr val="dk1"/>
-          </a:fontRef>
-        </p:style>
-      </p:cxnSp>
-      <p:sp>
-        <p:nvSpPr>
-          <p:cNvPr id="83" name="Rectangle 8"/>
-          <p:cNvSpPr/>
-          <p:nvPr/>
-        </p:nvSpPr>
-        <p:spPr>
-          <a:xfrm>
-            <a:off x="7712397" y="3210194"/>
-            <a:ext cx="708186" cy="285783"/>
-          </a:xfrm>
-          <a:prstGeom prst="rect">
-            <a:avLst/>
-          </a:prstGeom>
-          <a:ln w="19050">
-            <a:solidFill>
-              <a:srgbClr val="7030A0"/>
-            </a:solidFill>
-          </a:ln>
-          <a:effectLst/>
-        </p:spPr>
-        <p:style>
-          <a:lnRef idx="1">
-            <a:schemeClr val="accent4"/>
-          </a:lnRef>
-          <a:fillRef idx="2">
-            <a:schemeClr val="accent4"/>
-          </a:fillRef>
-          <a:effectRef idx="1">
-            <a:schemeClr val="accent4"/>
-          </a:effectRef>
-          <a:fontRef idx="minor">
-            <a:schemeClr val="dk1"/>
-          </a:fontRef>
-        </p:style>
-        <p:txBody>
-          <a:bodyPr rtlCol="0" anchor="ctr"/>
-          <a:lstStyle/>
-          <a:p>
-            <a:pPr algn="ctr"/>
-            <a:r>
-              <a:rPr lang="en-US" sz="1050" dirty="0">
-                <a:solidFill>
-                  <a:srgbClr val="7030A0"/>
-                </a:solidFill>
-              </a:rPr>
-              <a:t>Email</a:t>
-            </a:r>
-            <a:endParaRPr lang="en-SG" sz="1050" dirty="0">
-              <a:solidFill>
-                <a:srgbClr val="7030A0"/>
-              </a:solidFill>
-            </a:endParaRPr>
-          </a:p>
-        </p:txBody>
-      </p:sp>
-      <p:cxnSp>
-        <p:nvCxnSpPr>
-          <p:cNvPr id="84" name="Elbow Connector 83"/>
-          <p:cNvCxnSpPr>
-            <a:stCxn id="78" idx="3"/>
-            <a:endCxn id="83" idx="1"/>
-          </p:cNvCxnSpPr>
-          <p:nvPr/>
-        </p:nvCxnSpPr>
-        <p:spPr>
-          <a:xfrm>
-            <a:off x="7277995" y="3034891"/>
-            <a:ext cx="434402" cy="318195"/>
-          </a:xfrm>
-          <a:prstGeom prst="bentConnector3">
-            <a:avLst/>
-          </a:prstGeom>
-          <a:ln w="19050">
-            <a:solidFill>
-              <a:srgbClr val="7030A0"/>
-            </a:solidFill>
-            <a:headEnd type="none" w="med" len="med"/>
-            <a:tailEnd type="arrow" w="med" len="med"/>
-          </a:ln>
-          <a:effectLst/>
-        </p:spPr>
-        <p:style>
-          <a:lnRef idx="1">
-            <a:schemeClr val="accent2"/>
-          </a:lnRef>
-          <a:fillRef idx="2">
-            <a:schemeClr val="accent2"/>
-          </a:fillRef>
-          <a:effectRef idx="1">
-            <a:schemeClr val="accent2"/>
-          </a:effectRef>
-          <a:fontRef idx="minor">
-            <a:schemeClr val="dk1"/>
-          </a:fontRef>
-        </p:style>
-      </p:cxnSp>
-      <p:sp>
-        <p:nvSpPr>
-          <p:cNvPr id="85" name="Rectangle 8"/>
-          <p:cNvSpPr/>
-          <p:nvPr/>
-        </p:nvSpPr>
-        <p:spPr>
-          <a:xfrm>
-            <a:off x="7712397" y="3533171"/>
-            <a:ext cx="708186" cy="285783"/>
-          </a:xfrm>
-          <a:prstGeom prst="rect">
-            <a:avLst/>
-          </a:prstGeom>
-          <a:ln w="19050">
-            <a:solidFill>
-              <a:srgbClr val="7030A0"/>
-            </a:solidFill>
-          </a:ln>
-          <a:effectLst/>
-        </p:spPr>
-        <p:style>
-          <a:lnRef idx="1">
-            <a:schemeClr val="accent4"/>
-          </a:lnRef>
-          <a:fillRef idx="2">
-            <a:schemeClr val="accent4"/>
-          </a:fillRef>
-          <a:effectRef idx="1">
-            <a:schemeClr val="accent4"/>
-          </a:effectRef>
-          <a:fontRef idx="minor">
-            <a:schemeClr val="dk1"/>
-          </a:fontRef>
-        </p:style>
-        <p:txBody>
-          <a:bodyPr rtlCol="0" anchor="ctr"/>
-          <a:lstStyle/>
-          <a:p>
-            <a:pPr algn="ctr"/>
-            <a:r>
-              <a:rPr lang="en-US" sz="1050" dirty="0">
-                <a:solidFill>
-                  <a:srgbClr val="7030A0"/>
-                </a:solidFill>
-              </a:rPr>
-              <a:t>Address</a:t>
-            </a:r>
-            <a:endParaRPr lang="en-SG" sz="1050" dirty="0">
-              <a:solidFill>
-                <a:srgbClr val="7030A0"/>
-              </a:solidFill>
-            </a:endParaRPr>
-          </a:p>
-        </p:txBody>
-      </p:sp>
-      <p:cxnSp>
-        <p:nvCxnSpPr>
-          <p:cNvPr id="86" name="Elbow Connector 85"/>
-          <p:cNvCxnSpPr>
-            <a:stCxn id="78" idx="3"/>
-            <a:endCxn id="85" idx="1"/>
-          </p:cNvCxnSpPr>
-          <p:nvPr/>
-        </p:nvCxnSpPr>
-        <p:spPr>
-          <a:xfrm>
-            <a:off x="7277995" y="3034891"/>
-            <a:ext cx="434402" cy="641172"/>
-          </a:xfrm>
-          <a:prstGeom prst="bentConnector3">
-            <a:avLst/>
-          </a:prstGeom>
-          <a:ln w="19050">
-            <a:solidFill>
-              <a:srgbClr val="7030A0"/>
-            </a:solidFill>
-            <a:headEnd type="none" w="med" len="med"/>
-            <a:tailEnd type="arrow" w="med" len="med"/>
-          </a:ln>
-          <a:effectLst/>
-        </p:spPr>
-        <p:style>
-          <a:lnRef idx="1">
-            <a:schemeClr val="accent2"/>
-          </a:lnRef>
-          <a:fillRef idx="2">
-            <a:schemeClr val="accent2"/>
-          </a:fillRef>
-          <a:effectRef idx="1">
-            <a:schemeClr val="accent2"/>
-          </a:effectRef>
-          <a:fontRef idx="minor">
-            <a:schemeClr val="dk1"/>
-          </a:fontRef>
-        </p:style>
-      </p:cxnSp>
-      <p:sp>
-        <p:nvSpPr>
-          <p:cNvPr id="114" name="TextBox 113"/>
-          <p:cNvSpPr txBox="1"/>
-          <p:nvPr/>
-        </p:nvSpPr>
-        <p:spPr>
-          <a:xfrm rot="16200000">
-            <a:off x="6362886" y="3586305"/>
-            <a:ext cx="881018" cy="261610"/>
-          </a:xfrm>
-          <a:prstGeom prst="rect">
-            <a:avLst/>
-          </a:prstGeom>
-          <a:noFill/>
-        </p:spPr>
-        <p:txBody>
-          <a:bodyPr wrap="square" rtlCol="0">
-            <a:spAutoFit/>
-          </a:bodyPr>
-          <a:lstStyle/>
-          <a:p>
-            <a:pPr algn="r"/>
-            <a:r>
-              <a:rPr lang="en-US" sz="1100" dirty="0">
-                <a:solidFill>
-                  <a:srgbClr val="7030A0"/>
-                </a:solidFill>
-              </a:rPr>
-              <a:t>filtered list</a:t>
-            </a:r>
-            <a:endParaRPr lang="en-SG" sz="1100" dirty="0">
-              <a:solidFill>
-                <a:srgbClr val="7030A0"/>
-              </a:solidFill>
-            </a:endParaRPr>
-          </a:p>
-        </p:txBody>
-      </p:sp>
-      <p:sp>
-        <p:nvSpPr>
-          <p:cNvPr id="122" name="Rectangle 8"/>
-          <p:cNvSpPr/>
-          <p:nvPr/>
-        </p:nvSpPr>
-        <p:spPr>
-          <a:xfrm>
-            <a:off x="2057401" y="4239491"/>
-            <a:ext cx="1066800" cy="346760"/>
-          </a:xfrm>
-          <a:prstGeom prst="rect">
-            <a:avLst/>
-          </a:prstGeom>
-          <a:ln w="19050">
-            <a:solidFill>
-              <a:srgbClr val="7030A0"/>
-            </a:solidFill>
-          </a:ln>
-          <a:effectLst/>
-        </p:spPr>
-        <p:style>
-          <a:lnRef idx="1">
-            <a:schemeClr val="accent4"/>
-          </a:lnRef>
-          <a:fillRef idx="2">
-            <a:schemeClr val="accent4"/>
-          </a:fillRef>
-          <a:effectRef idx="1">
-            <a:schemeClr val="accent4"/>
-          </a:effectRef>
-          <a:fontRef idx="minor">
-            <a:schemeClr val="dk1"/>
-          </a:fontRef>
-        </p:style>
-        <p:txBody>
-          <a:bodyPr rtlCol="0" anchor="ctr"/>
-          <a:lstStyle/>
-          <a:p>
-            <a:pPr algn="ctr"/>
-            <a:r>
-              <a:rPr lang="en-US" sz="1050" dirty="0">
-                <a:solidFill>
-                  <a:srgbClr val="7030A0"/>
-                </a:solidFill>
-              </a:rPr>
               <a:t>&lt;&lt;interface&gt;&gt;</a:t>
-            </a:r>
-            <a:r>
-              <a:rPr lang="en-US" sz="1050">
-                <a:solidFill>
-                  <a:srgbClr val="7030A0"/>
-                </a:solidFill>
-              </a:rPr>
-              <a:t/>
             </a:r>
             <a:br>
               <a:rPr lang="en-US" sz="1050">
@@ -5829,7 +5434,7 @@
                   <a:srgbClr val="7030A0"/>
                 </a:solidFill>
               </a:rPr>
-              <a:t>ReadOnlyAddressBook</a:t>
+              <a:t>ReadOnlySsenisub</a:t>
             </a:r>
             <a:endParaRPr lang="en-SG" sz="1050" dirty="0">
               <a:solidFill>
@@ -5885,7 +5490,7 @@
                   <a:srgbClr val="7030A0"/>
                 </a:solidFill>
               </a:rPr>
-              <a:t>AddressBook</a:t>
+              <a:t>Ssenisub</a:t>
             </a:r>
             <a:endParaRPr lang="en-SG" sz="1050" dirty="0">
               <a:solidFill>
@@ -5973,6 +5578,1287 @@
             <a:prstDash val="sysDot"/>
             <a:headEnd type="none" w="med" len="med"/>
             <a:tailEnd type="none" w="med" len="med"/>
+          </a:ln>
+          <a:effectLst/>
+        </p:spPr>
+        <p:style>
+          <a:lnRef idx="1">
+            <a:schemeClr val="accent2"/>
+          </a:lnRef>
+          <a:fillRef idx="2">
+            <a:schemeClr val="accent2"/>
+          </a:fillRef>
+          <a:effectRef idx="1">
+            <a:schemeClr val="accent2"/>
+          </a:effectRef>
+          <a:fontRef idx="minor">
+            <a:schemeClr val="dk1"/>
+          </a:fontRef>
+        </p:style>
+      </p:cxnSp>
+      <p:sp>
+        <p:nvSpPr>
+          <p:cNvPr id="115" name="Rectangle 8">
+            <a:extLst>
+              <a:ext uri="{FF2B5EF4-FFF2-40B4-BE49-F238E27FC236}">
+                <a16:creationId xmlns:a16="http://schemas.microsoft.com/office/drawing/2014/main" id="{475D3B09-9124-D648-8939-B158808ABA26}"/>
+              </a:ext>
+            </a:extLst>
+          </p:cNvPr>
+          <p:cNvSpPr/>
+          <p:nvPr/>
+        </p:nvSpPr>
+        <p:spPr>
+          <a:xfrm>
+            <a:off x="7638037" y="1728000"/>
+            <a:ext cx="856906" cy="285783"/>
+          </a:xfrm>
+          <a:prstGeom prst="rect">
+            <a:avLst/>
+          </a:prstGeom>
+          <a:ln w="19050">
+            <a:solidFill>
+              <a:srgbClr val="7030A0"/>
+            </a:solidFill>
+          </a:ln>
+          <a:effectLst/>
+        </p:spPr>
+        <p:style>
+          <a:lnRef idx="1">
+            <a:schemeClr val="accent4"/>
+          </a:lnRef>
+          <a:fillRef idx="2">
+            <a:schemeClr val="accent4"/>
+          </a:fillRef>
+          <a:effectRef idx="1">
+            <a:schemeClr val="accent4"/>
+          </a:effectRef>
+          <a:fontRef idx="minor">
+            <a:schemeClr val="dk1"/>
+          </a:fontRef>
+        </p:style>
+        <p:txBody>
+          <a:bodyPr rtlCol="0" anchor="ctr"/>
+          <a:lstStyle/>
+          <a:p>
+            <a:pPr algn="ctr"/>
+            <a:r>
+              <a:rPr lang="en-US" sz="1050" dirty="0">
+                <a:solidFill>
+                  <a:srgbClr val="7030A0"/>
+                </a:solidFill>
+              </a:rPr>
+              <a:t>Name</a:t>
+            </a:r>
+            <a:endParaRPr lang="en-SG" sz="1050" dirty="0">
+              <a:solidFill>
+                <a:srgbClr val="7030A0"/>
+              </a:solidFill>
+            </a:endParaRPr>
+          </a:p>
+        </p:txBody>
+      </p:sp>
+      <p:cxnSp>
+        <p:nvCxnSpPr>
+          <p:cNvPr id="116" name="Elbow Connector 115">
+            <a:extLst>
+              <a:ext uri="{FF2B5EF4-FFF2-40B4-BE49-F238E27FC236}">
+                <a16:creationId xmlns:a16="http://schemas.microsoft.com/office/drawing/2014/main" id="{FA340191-2A2C-7740-A797-FC6A1F9B84EC}"/>
+              </a:ext>
+            </a:extLst>
+          </p:cNvPr>
+          <p:cNvCxnSpPr>
+            <a:cxnSpLocks/>
+            <a:endCxn id="115" idx="1"/>
+          </p:cNvCxnSpPr>
+          <p:nvPr/>
+        </p:nvCxnSpPr>
+        <p:spPr>
+          <a:xfrm flipV="1">
+            <a:off x="7277995" y="1870892"/>
+            <a:ext cx="360042" cy="1163999"/>
+          </a:xfrm>
+          <a:prstGeom prst="bentConnector3">
+            <a:avLst/>
+          </a:prstGeom>
+          <a:ln w="19050">
+            <a:solidFill>
+              <a:srgbClr val="7030A0"/>
+            </a:solidFill>
+            <a:headEnd type="none" w="med" len="med"/>
+            <a:tailEnd type="arrow" w="med" len="med"/>
+          </a:ln>
+          <a:effectLst/>
+        </p:spPr>
+        <p:style>
+          <a:lnRef idx="1">
+            <a:schemeClr val="accent2"/>
+          </a:lnRef>
+          <a:fillRef idx="2">
+            <a:schemeClr val="accent2"/>
+          </a:fillRef>
+          <a:effectRef idx="1">
+            <a:schemeClr val="accent2"/>
+          </a:effectRef>
+          <a:fontRef idx="minor">
+            <a:schemeClr val="dk1"/>
+          </a:fontRef>
+        </p:style>
+      </p:cxnSp>
+      <p:sp>
+        <p:nvSpPr>
+          <p:cNvPr id="117" name="Rectangle 8">
+            <a:extLst>
+              <a:ext uri="{FF2B5EF4-FFF2-40B4-BE49-F238E27FC236}">
+                <a16:creationId xmlns:a16="http://schemas.microsoft.com/office/drawing/2014/main" id="{2616F23E-9069-644C-A196-ADFD3D29C727}"/>
+              </a:ext>
+            </a:extLst>
+          </p:cNvPr>
+          <p:cNvSpPr/>
+          <p:nvPr/>
+        </p:nvSpPr>
+        <p:spPr>
+          <a:xfrm>
+            <a:off x="7639200" y="2052000"/>
+            <a:ext cx="856906" cy="285783"/>
+          </a:xfrm>
+          <a:prstGeom prst="rect">
+            <a:avLst/>
+          </a:prstGeom>
+          <a:ln w="19050">
+            <a:solidFill>
+              <a:srgbClr val="7030A0"/>
+            </a:solidFill>
+          </a:ln>
+          <a:effectLst/>
+        </p:spPr>
+        <p:style>
+          <a:lnRef idx="1">
+            <a:schemeClr val="accent4"/>
+          </a:lnRef>
+          <a:fillRef idx="2">
+            <a:schemeClr val="accent4"/>
+          </a:fillRef>
+          <a:effectRef idx="1">
+            <a:schemeClr val="accent4"/>
+          </a:effectRef>
+          <a:fontRef idx="minor">
+            <a:schemeClr val="dk1"/>
+          </a:fontRef>
+        </p:style>
+        <p:txBody>
+          <a:bodyPr rtlCol="0" anchor="ctr"/>
+          <a:lstStyle/>
+          <a:p>
+            <a:pPr algn="ctr"/>
+            <a:r>
+              <a:rPr lang="en-US" sz="1050" dirty="0">
+                <a:solidFill>
+                  <a:srgbClr val="7030A0"/>
+                </a:solidFill>
+              </a:rPr>
+              <a:t>Phone</a:t>
+            </a:r>
+            <a:endParaRPr lang="en-SG" sz="1050" dirty="0">
+              <a:solidFill>
+                <a:srgbClr val="7030A0"/>
+              </a:solidFill>
+            </a:endParaRPr>
+          </a:p>
+        </p:txBody>
+      </p:sp>
+      <p:cxnSp>
+        <p:nvCxnSpPr>
+          <p:cNvPr id="121" name="Elbow Connector 120">
+            <a:extLst>
+              <a:ext uri="{FF2B5EF4-FFF2-40B4-BE49-F238E27FC236}">
+                <a16:creationId xmlns:a16="http://schemas.microsoft.com/office/drawing/2014/main" id="{89B9C64A-F07E-4F4D-996C-33294F3B93A9}"/>
+              </a:ext>
+            </a:extLst>
+          </p:cNvPr>
+          <p:cNvCxnSpPr>
+            <a:endCxn id="117" idx="1"/>
+          </p:cNvCxnSpPr>
+          <p:nvPr/>
+        </p:nvCxnSpPr>
+        <p:spPr>
+          <a:xfrm flipV="1">
+            <a:off x="7277995" y="2194892"/>
+            <a:ext cx="361205" cy="839999"/>
+          </a:xfrm>
+          <a:prstGeom prst="bentConnector3">
+            <a:avLst/>
+          </a:prstGeom>
+          <a:ln w="19050">
+            <a:solidFill>
+              <a:srgbClr val="7030A0"/>
+            </a:solidFill>
+            <a:headEnd type="none" w="med" len="med"/>
+            <a:tailEnd type="arrow" w="med" len="med"/>
+          </a:ln>
+          <a:effectLst/>
+        </p:spPr>
+        <p:style>
+          <a:lnRef idx="1">
+            <a:schemeClr val="accent2"/>
+          </a:lnRef>
+          <a:fillRef idx="2">
+            <a:schemeClr val="accent2"/>
+          </a:fillRef>
+          <a:effectRef idx="1">
+            <a:schemeClr val="accent2"/>
+          </a:effectRef>
+          <a:fontRef idx="minor">
+            <a:schemeClr val="dk1"/>
+          </a:fontRef>
+        </p:style>
+      </p:cxnSp>
+      <p:sp>
+        <p:nvSpPr>
+          <p:cNvPr id="123" name="Rectangle 8">
+            <a:extLst>
+              <a:ext uri="{FF2B5EF4-FFF2-40B4-BE49-F238E27FC236}">
+                <a16:creationId xmlns:a16="http://schemas.microsoft.com/office/drawing/2014/main" id="{74F0FFE9-D082-DD4F-B53F-38DC9791025A}"/>
+              </a:ext>
+            </a:extLst>
+          </p:cNvPr>
+          <p:cNvSpPr/>
+          <p:nvPr/>
+        </p:nvSpPr>
+        <p:spPr>
+          <a:xfrm>
+            <a:off x="7638037" y="2376000"/>
+            <a:ext cx="856906" cy="285783"/>
+          </a:xfrm>
+          <a:prstGeom prst="rect">
+            <a:avLst/>
+          </a:prstGeom>
+          <a:ln w="19050">
+            <a:solidFill>
+              <a:srgbClr val="7030A0"/>
+            </a:solidFill>
+          </a:ln>
+          <a:effectLst/>
+        </p:spPr>
+        <p:style>
+          <a:lnRef idx="1">
+            <a:schemeClr val="accent4"/>
+          </a:lnRef>
+          <a:fillRef idx="2">
+            <a:schemeClr val="accent4"/>
+          </a:fillRef>
+          <a:effectRef idx="1">
+            <a:schemeClr val="accent4"/>
+          </a:effectRef>
+          <a:fontRef idx="minor">
+            <a:schemeClr val="dk1"/>
+          </a:fontRef>
+        </p:style>
+        <p:txBody>
+          <a:bodyPr rtlCol="0" anchor="ctr"/>
+          <a:lstStyle/>
+          <a:p>
+            <a:pPr algn="ctr"/>
+            <a:r>
+              <a:rPr lang="en-US" sz="1050" dirty="0">
+                <a:solidFill>
+                  <a:srgbClr val="7030A0"/>
+                </a:solidFill>
+              </a:rPr>
+              <a:t>Email</a:t>
+            </a:r>
+            <a:endParaRPr lang="en-SG" sz="1050" dirty="0">
+              <a:solidFill>
+                <a:srgbClr val="7030A0"/>
+              </a:solidFill>
+            </a:endParaRPr>
+          </a:p>
+        </p:txBody>
+      </p:sp>
+      <p:cxnSp>
+        <p:nvCxnSpPr>
+          <p:cNvPr id="125" name="Elbow Connector 124">
+            <a:extLst>
+              <a:ext uri="{FF2B5EF4-FFF2-40B4-BE49-F238E27FC236}">
+                <a16:creationId xmlns:a16="http://schemas.microsoft.com/office/drawing/2014/main" id="{C77233FB-28FA-5E4A-BDE7-0FCA0A9E5328}"/>
+              </a:ext>
+            </a:extLst>
+          </p:cNvPr>
+          <p:cNvCxnSpPr>
+            <a:endCxn id="123" idx="1"/>
+          </p:cNvCxnSpPr>
+          <p:nvPr/>
+        </p:nvCxnSpPr>
+        <p:spPr>
+          <a:xfrm flipV="1">
+            <a:off x="7277995" y="2518892"/>
+            <a:ext cx="360042" cy="515999"/>
+          </a:xfrm>
+          <a:prstGeom prst="bentConnector3">
+            <a:avLst/>
+          </a:prstGeom>
+          <a:ln w="19050">
+            <a:solidFill>
+              <a:srgbClr val="7030A0"/>
+            </a:solidFill>
+            <a:headEnd type="none" w="med" len="med"/>
+            <a:tailEnd type="arrow" w="med" len="med"/>
+          </a:ln>
+          <a:effectLst/>
+        </p:spPr>
+        <p:style>
+          <a:lnRef idx="1">
+            <a:schemeClr val="accent2"/>
+          </a:lnRef>
+          <a:fillRef idx="2">
+            <a:schemeClr val="accent2"/>
+          </a:fillRef>
+          <a:effectRef idx="1">
+            <a:schemeClr val="accent2"/>
+          </a:effectRef>
+          <a:fontRef idx="minor">
+            <a:schemeClr val="dk1"/>
+          </a:fontRef>
+        </p:style>
+      </p:cxnSp>
+      <p:sp>
+        <p:nvSpPr>
+          <p:cNvPr id="126" name="Rectangle 8">
+            <a:extLst>
+              <a:ext uri="{FF2B5EF4-FFF2-40B4-BE49-F238E27FC236}">
+                <a16:creationId xmlns:a16="http://schemas.microsoft.com/office/drawing/2014/main" id="{1DA6DD65-9390-5145-A86F-5D4F6AFACCAF}"/>
+              </a:ext>
+            </a:extLst>
+          </p:cNvPr>
+          <p:cNvSpPr/>
+          <p:nvPr/>
+        </p:nvSpPr>
+        <p:spPr>
+          <a:xfrm>
+            <a:off x="7636840" y="2700000"/>
+            <a:ext cx="856906" cy="285783"/>
+          </a:xfrm>
+          <a:prstGeom prst="rect">
+            <a:avLst/>
+          </a:prstGeom>
+          <a:ln w="19050">
+            <a:solidFill>
+              <a:srgbClr val="7030A0"/>
+            </a:solidFill>
+          </a:ln>
+          <a:effectLst/>
+        </p:spPr>
+        <p:style>
+          <a:lnRef idx="1">
+            <a:schemeClr val="accent4"/>
+          </a:lnRef>
+          <a:fillRef idx="2">
+            <a:schemeClr val="accent4"/>
+          </a:fillRef>
+          <a:effectRef idx="1">
+            <a:schemeClr val="accent4"/>
+          </a:effectRef>
+          <a:fontRef idx="minor">
+            <a:schemeClr val="dk1"/>
+          </a:fontRef>
+        </p:style>
+        <p:txBody>
+          <a:bodyPr rtlCol="0" anchor="ctr"/>
+          <a:lstStyle/>
+          <a:p>
+            <a:pPr algn="ctr"/>
+            <a:r>
+              <a:rPr lang="en-US" sz="1050" dirty="0">
+                <a:solidFill>
+                  <a:srgbClr val="7030A0"/>
+                </a:solidFill>
+              </a:rPr>
+              <a:t>Address</a:t>
+            </a:r>
+            <a:endParaRPr lang="en-SG" sz="1050" dirty="0">
+              <a:solidFill>
+                <a:srgbClr val="7030A0"/>
+              </a:solidFill>
+            </a:endParaRPr>
+          </a:p>
+        </p:txBody>
+      </p:sp>
+      <p:cxnSp>
+        <p:nvCxnSpPr>
+          <p:cNvPr id="127" name="Elbow Connector 126">
+            <a:extLst>
+              <a:ext uri="{FF2B5EF4-FFF2-40B4-BE49-F238E27FC236}">
+                <a16:creationId xmlns:a16="http://schemas.microsoft.com/office/drawing/2014/main" id="{D393E7ED-ECA9-854C-9491-E0ACCDB573FE}"/>
+              </a:ext>
+            </a:extLst>
+          </p:cNvPr>
+          <p:cNvCxnSpPr>
+            <a:endCxn id="126" idx="1"/>
+          </p:cNvCxnSpPr>
+          <p:nvPr/>
+        </p:nvCxnSpPr>
+        <p:spPr>
+          <a:xfrm flipV="1">
+            <a:off x="7277995" y="2842892"/>
+            <a:ext cx="358845" cy="191999"/>
+          </a:xfrm>
+          <a:prstGeom prst="bentConnector3">
+            <a:avLst/>
+          </a:prstGeom>
+          <a:ln w="19050">
+            <a:solidFill>
+              <a:srgbClr val="7030A0"/>
+            </a:solidFill>
+            <a:headEnd type="none" w="med" len="med"/>
+            <a:tailEnd type="arrow" w="med" len="med"/>
+          </a:ln>
+          <a:effectLst/>
+        </p:spPr>
+        <p:style>
+          <a:lnRef idx="1">
+            <a:schemeClr val="accent2"/>
+          </a:lnRef>
+          <a:fillRef idx="2">
+            <a:schemeClr val="accent2"/>
+          </a:fillRef>
+          <a:effectRef idx="1">
+            <a:schemeClr val="accent2"/>
+          </a:effectRef>
+          <a:fontRef idx="minor">
+            <a:schemeClr val="dk1"/>
+          </a:fontRef>
+        </p:style>
+      </p:cxnSp>
+      <p:sp>
+        <p:nvSpPr>
+          <p:cNvPr id="131" name="Rectangle 8">
+            <a:extLst>
+              <a:ext uri="{FF2B5EF4-FFF2-40B4-BE49-F238E27FC236}">
+                <a16:creationId xmlns:a16="http://schemas.microsoft.com/office/drawing/2014/main" id="{641830A8-633E-8844-A590-7DCC01491603}"/>
+              </a:ext>
+            </a:extLst>
+          </p:cNvPr>
+          <p:cNvSpPr/>
+          <p:nvPr/>
+        </p:nvSpPr>
+        <p:spPr>
+          <a:xfrm>
+            <a:off x="7636840" y="3024000"/>
+            <a:ext cx="856906" cy="285783"/>
+          </a:xfrm>
+          <a:prstGeom prst="rect">
+            <a:avLst/>
+          </a:prstGeom>
+          <a:ln w="19050">
+            <a:solidFill>
+              <a:srgbClr val="7030A0"/>
+            </a:solidFill>
+          </a:ln>
+          <a:effectLst/>
+        </p:spPr>
+        <p:style>
+          <a:lnRef idx="1">
+            <a:schemeClr val="accent4"/>
+          </a:lnRef>
+          <a:fillRef idx="2">
+            <a:schemeClr val="accent4"/>
+          </a:fillRef>
+          <a:effectRef idx="1">
+            <a:schemeClr val="accent4"/>
+          </a:effectRef>
+          <a:fontRef idx="minor">
+            <a:schemeClr val="dk1"/>
+          </a:fontRef>
+        </p:style>
+        <p:txBody>
+          <a:bodyPr rtlCol="0" anchor="ctr"/>
+          <a:lstStyle/>
+          <a:p>
+            <a:pPr algn="ctr"/>
+            <a:r>
+              <a:rPr lang="en-SG" sz="1050" dirty="0">
+                <a:solidFill>
+                  <a:srgbClr val="7030A0"/>
+                </a:solidFill>
+              </a:rPr>
+              <a:t>Department</a:t>
+            </a:r>
+          </a:p>
+        </p:txBody>
+      </p:sp>
+      <p:cxnSp>
+        <p:nvCxnSpPr>
+          <p:cNvPr id="132" name="Elbow Connector 131">
+            <a:extLst>
+              <a:ext uri="{FF2B5EF4-FFF2-40B4-BE49-F238E27FC236}">
+                <a16:creationId xmlns:a16="http://schemas.microsoft.com/office/drawing/2014/main" id="{89F1D4DF-8BC9-4144-8B1C-4B6206EFB77D}"/>
+              </a:ext>
+            </a:extLst>
+          </p:cNvPr>
+          <p:cNvCxnSpPr>
+            <a:cxnSpLocks/>
+            <a:endCxn id="131" idx="1"/>
+          </p:cNvCxnSpPr>
+          <p:nvPr/>
+        </p:nvCxnSpPr>
+        <p:spPr>
+          <a:xfrm>
+            <a:off x="7277995" y="3034891"/>
+            <a:ext cx="358845" cy="132001"/>
+          </a:xfrm>
+          <a:prstGeom prst="bentConnector3">
+            <a:avLst>
+              <a:gd name="adj1" fmla="val 50000"/>
+            </a:avLst>
+          </a:prstGeom>
+          <a:ln w="19050">
+            <a:solidFill>
+              <a:srgbClr val="7030A0"/>
+            </a:solidFill>
+            <a:headEnd type="none" w="med" len="med"/>
+            <a:tailEnd type="arrow" w="med" len="med"/>
+          </a:ln>
+          <a:effectLst/>
+        </p:spPr>
+        <p:style>
+          <a:lnRef idx="1">
+            <a:schemeClr val="accent2"/>
+          </a:lnRef>
+          <a:fillRef idx="2">
+            <a:schemeClr val="accent2"/>
+          </a:fillRef>
+          <a:effectRef idx="1">
+            <a:schemeClr val="accent2"/>
+          </a:effectRef>
+          <a:fontRef idx="minor">
+            <a:schemeClr val="dk1"/>
+          </a:fontRef>
+        </p:style>
+      </p:cxnSp>
+      <p:sp>
+        <p:nvSpPr>
+          <p:cNvPr id="133" name="Rectangle 8">
+            <a:extLst>
+              <a:ext uri="{FF2B5EF4-FFF2-40B4-BE49-F238E27FC236}">
+                <a16:creationId xmlns:a16="http://schemas.microsoft.com/office/drawing/2014/main" id="{FB427FE4-8E37-9941-A407-DC2FE7476C76}"/>
+              </a:ext>
+            </a:extLst>
+          </p:cNvPr>
+          <p:cNvSpPr/>
+          <p:nvPr/>
+        </p:nvSpPr>
+        <p:spPr>
+          <a:xfrm>
+            <a:off x="7635600" y="3348000"/>
+            <a:ext cx="856906" cy="284400"/>
+          </a:xfrm>
+          <a:prstGeom prst="rect">
+            <a:avLst/>
+          </a:prstGeom>
+          <a:ln w="19050">
+            <a:solidFill>
+              <a:srgbClr val="7030A0"/>
+            </a:solidFill>
+          </a:ln>
+          <a:effectLst/>
+        </p:spPr>
+        <p:style>
+          <a:lnRef idx="1">
+            <a:schemeClr val="accent4"/>
+          </a:lnRef>
+          <a:fillRef idx="2">
+            <a:schemeClr val="accent4"/>
+          </a:fillRef>
+          <a:effectRef idx="1">
+            <a:schemeClr val="accent4"/>
+          </a:effectRef>
+          <a:fontRef idx="minor">
+            <a:schemeClr val="dk1"/>
+          </a:fontRef>
+        </p:style>
+        <p:txBody>
+          <a:bodyPr rtlCol="0" anchor="ctr"/>
+          <a:lstStyle/>
+          <a:p>
+            <a:pPr algn="ctr"/>
+            <a:r>
+              <a:rPr lang="en-SG" sz="1050" dirty="0">
+                <a:solidFill>
+                  <a:srgbClr val="7030A0"/>
+                </a:solidFill>
+              </a:rPr>
+              <a:t>Manager</a:t>
+            </a:r>
+          </a:p>
+        </p:txBody>
+      </p:sp>
+      <p:cxnSp>
+        <p:nvCxnSpPr>
+          <p:cNvPr id="134" name="Elbow Connector 133">
+            <a:extLst>
+              <a:ext uri="{FF2B5EF4-FFF2-40B4-BE49-F238E27FC236}">
+                <a16:creationId xmlns:a16="http://schemas.microsoft.com/office/drawing/2014/main" id="{D7404FC1-D9D5-6445-971E-E5F14B9CDF74}"/>
+              </a:ext>
+            </a:extLst>
+          </p:cNvPr>
+          <p:cNvCxnSpPr>
+            <a:cxnSpLocks/>
+            <a:endCxn id="133" idx="1"/>
+          </p:cNvCxnSpPr>
+          <p:nvPr/>
+        </p:nvCxnSpPr>
+        <p:spPr>
+          <a:xfrm>
+            <a:off x="7277995" y="3034891"/>
+            <a:ext cx="357605" cy="455309"/>
+          </a:xfrm>
+          <a:prstGeom prst="bentConnector3">
+            <a:avLst>
+              <a:gd name="adj1" fmla="val 50000"/>
+            </a:avLst>
+          </a:prstGeom>
+          <a:ln w="19050">
+            <a:solidFill>
+              <a:srgbClr val="7030A0"/>
+            </a:solidFill>
+            <a:headEnd type="none" w="med" len="med"/>
+            <a:tailEnd type="arrow" w="med" len="med"/>
+          </a:ln>
+          <a:effectLst/>
+        </p:spPr>
+        <p:style>
+          <a:lnRef idx="1">
+            <a:schemeClr val="accent2"/>
+          </a:lnRef>
+          <a:fillRef idx="2">
+            <a:schemeClr val="accent2"/>
+          </a:fillRef>
+          <a:effectRef idx="1">
+            <a:schemeClr val="accent2"/>
+          </a:effectRef>
+          <a:fontRef idx="minor">
+            <a:schemeClr val="dk1"/>
+          </a:fontRef>
+        </p:style>
+      </p:cxnSp>
+      <p:sp>
+        <p:nvSpPr>
+          <p:cNvPr id="135" name="Rectangle 8">
+            <a:extLst>
+              <a:ext uri="{FF2B5EF4-FFF2-40B4-BE49-F238E27FC236}">
+                <a16:creationId xmlns:a16="http://schemas.microsoft.com/office/drawing/2014/main" id="{5382A68B-11B3-F944-BAFD-67F553ACA778}"/>
+              </a:ext>
+            </a:extLst>
+          </p:cNvPr>
+          <p:cNvSpPr/>
+          <p:nvPr/>
+        </p:nvSpPr>
+        <p:spPr>
+          <a:xfrm>
+            <a:off x="7635600" y="3672000"/>
+            <a:ext cx="856906" cy="284400"/>
+          </a:xfrm>
+          <a:prstGeom prst="rect">
+            <a:avLst/>
+          </a:prstGeom>
+          <a:ln w="19050">
+            <a:solidFill>
+              <a:srgbClr val="7030A0"/>
+            </a:solidFill>
+          </a:ln>
+          <a:effectLst/>
+        </p:spPr>
+        <p:style>
+          <a:lnRef idx="1">
+            <a:schemeClr val="accent4"/>
+          </a:lnRef>
+          <a:fillRef idx="2">
+            <a:schemeClr val="accent4"/>
+          </a:fillRef>
+          <a:effectRef idx="1">
+            <a:schemeClr val="accent4"/>
+          </a:effectRef>
+          <a:fontRef idx="minor">
+            <a:schemeClr val="dk1"/>
+          </a:fontRef>
+        </p:style>
+        <p:txBody>
+          <a:bodyPr rtlCol="0" anchor="ctr"/>
+          <a:lstStyle/>
+          <a:p>
+            <a:pPr algn="ctr"/>
+            <a:r>
+              <a:rPr lang="en-SG" sz="1050" dirty="0">
+                <a:solidFill>
+                  <a:srgbClr val="7030A0"/>
+                </a:solidFill>
+              </a:rPr>
+              <a:t>Salary</a:t>
+            </a:r>
+          </a:p>
+        </p:txBody>
+      </p:sp>
+      <p:cxnSp>
+        <p:nvCxnSpPr>
+          <p:cNvPr id="136" name="Elbow Connector 135">
+            <a:extLst>
+              <a:ext uri="{FF2B5EF4-FFF2-40B4-BE49-F238E27FC236}">
+                <a16:creationId xmlns:a16="http://schemas.microsoft.com/office/drawing/2014/main" id="{19E9609A-5BA1-D342-B7B6-CE3671AFC1BD}"/>
+              </a:ext>
+            </a:extLst>
+          </p:cNvPr>
+          <p:cNvCxnSpPr>
+            <a:cxnSpLocks/>
+            <a:endCxn id="135" idx="1"/>
+          </p:cNvCxnSpPr>
+          <p:nvPr/>
+        </p:nvCxnSpPr>
+        <p:spPr>
+          <a:xfrm>
+            <a:off x="7277995" y="3034891"/>
+            <a:ext cx="357605" cy="779309"/>
+          </a:xfrm>
+          <a:prstGeom prst="bentConnector3">
+            <a:avLst>
+              <a:gd name="adj1" fmla="val 50000"/>
+            </a:avLst>
+          </a:prstGeom>
+          <a:ln w="19050">
+            <a:solidFill>
+              <a:srgbClr val="7030A0"/>
+            </a:solidFill>
+            <a:headEnd type="none" w="med" len="med"/>
+            <a:tailEnd type="arrow" w="med" len="med"/>
+          </a:ln>
+          <a:effectLst/>
+        </p:spPr>
+        <p:style>
+          <a:lnRef idx="1">
+            <a:schemeClr val="accent2"/>
+          </a:lnRef>
+          <a:fillRef idx="2">
+            <a:schemeClr val="accent2"/>
+          </a:fillRef>
+          <a:effectRef idx="1">
+            <a:schemeClr val="accent2"/>
+          </a:effectRef>
+          <a:fontRef idx="minor">
+            <a:schemeClr val="dk1"/>
+          </a:fontRef>
+        </p:style>
+      </p:cxnSp>
+      <p:sp>
+        <p:nvSpPr>
+          <p:cNvPr id="137" name="Rectangle 8">
+            <a:extLst>
+              <a:ext uri="{FF2B5EF4-FFF2-40B4-BE49-F238E27FC236}">
+                <a16:creationId xmlns:a16="http://schemas.microsoft.com/office/drawing/2014/main" id="{27CCD5BC-D633-5647-92ED-D0F5264A2E3B}"/>
+              </a:ext>
+            </a:extLst>
+          </p:cNvPr>
+          <p:cNvSpPr/>
+          <p:nvPr/>
+        </p:nvSpPr>
+        <p:spPr>
+          <a:xfrm>
+            <a:off x="7635600" y="3996000"/>
+            <a:ext cx="856906" cy="284400"/>
+          </a:xfrm>
+          <a:prstGeom prst="rect">
+            <a:avLst/>
+          </a:prstGeom>
+          <a:ln w="19050">
+            <a:solidFill>
+              <a:srgbClr val="7030A0"/>
+            </a:solidFill>
+          </a:ln>
+          <a:effectLst/>
+        </p:spPr>
+        <p:style>
+          <a:lnRef idx="1">
+            <a:schemeClr val="accent4"/>
+          </a:lnRef>
+          <a:fillRef idx="2">
+            <a:schemeClr val="accent4"/>
+          </a:fillRef>
+          <a:effectRef idx="1">
+            <a:schemeClr val="accent4"/>
+          </a:effectRef>
+          <a:fontRef idx="minor">
+            <a:schemeClr val="dk1"/>
+          </a:fontRef>
+        </p:style>
+        <p:txBody>
+          <a:bodyPr rtlCol="0" anchor="ctr"/>
+          <a:lstStyle/>
+          <a:p>
+            <a:pPr algn="ctr"/>
+            <a:r>
+              <a:rPr lang="en-SG" sz="1050" dirty="0">
+                <a:solidFill>
+                  <a:srgbClr val="7030A0"/>
+                </a:solidFill>
+              </a:rPr>
+              <a:t>OT Rate</a:t>
+            </a:r>
+          </a:p>
+        </p:txBody>
+      </p:sp>
+      <p:cxnSp>
+        <p:nvCxnSpPr>
+          <p:cNvPr id="138" name="Elbow Connector 137">
+            <a:extLst>
+              <a:ext uri="{FF2B5EF4-FFF2-40B4-BE49-F238E27FC236}">
+                <a16:creationId xmlns:a16="http://schemas.microsoft.com/office/drawing/2014/main" id="{DF8CE50F-26F1-5E47-9975-0BBEFD0CB929}"/>
+              </a:ext>
+            </a:extLst>
+          </p:cNvPr>
+          <p:cNvCxnSpPr>
+            <a:cxnSpLocks/>
+            <a:endCxn id="137" idx="1"/>
+          </p:cNvCxnSpPr>
+          <p:nvPr/>
+        </p:nvCxnSpPr>
+        <p:spPr>
+          <a:xfrm>
+            <a:off x="7277995" y="3034891"/>
+            <a:ext cx="357605" cy="1103309"/>
+          </a:xfrm>
+          <a:prstGeom prst="bentConnector3">
+            <a:avLst>
+              <a:gd name="adj1" fmla="val 50000"/>
+            </a:avLst>
+          </a:prstGeom>
+          <a:ln w="19050">
+            <a:solidFill>
+              <a:srgbClr val="7030A0"/>
+            </a:solidFill>
+            <a:headEnd type="none" w="med" len="med"/>
+            <a:tailEnd type="arrow" w="med" len="med"/>
+          </a:ln>
+          <a:effectLst/>
+        </p:spPr>
+        <p:style>
+          <a:lnRef idx="1">
+            <a:schemeClr val="accent2"/>
+          </a:lnRef>
+          <a:fillRef idx="2">
+            <a:schemeClr val="accent2"/>
+          </a:fillRef>
+          <a:effectRef idx="1">
+            <a:schemeClr val="accent2"/>
+          </a:effectRef>
+          <a:fontRef idx="minor">
+            <a:schemeClr val="dk1"/>
+          </a:fontRef>
+        </p:style>
+      </p:cxnSp>
+      <p:sp>
+        <p:nvSpPr>
+          <p:cNvPr id="139" name="Rectangle 8">
+            <a:extLst>
+              <a:ext uri="{FF2B5EF4-FFF2-40B4-BE49-F238E27FC236}">
+                <a16:creationId xmlns:a16="http://schemas.microsoft.com/office/drawing/2014/main" id="{CA0851D8-8EED-F74B-9243-8E72070C2108}"/>
+              </a:ext>
+            </a:extLst>
+          </p:cNvPr>
+          <p:cNvSpPr/>
+          <p:nvPr/>
+        </p:nvSpPr>
+        <p:spPr>
+          <a:xfrm>
+            <a:off x="7635600" y="4320000"/>
+            <a:ext cx="856906" cy="284400"/>
+          </a:xfrm>
+          <a:prstGeom prst="rect">
+            <a:avLst/>
+          </a:prstGeom>
+          <a:ln w="19050">
+            <a:solidFill>
+              <a:srgbClr val="7030A0"/>
+            </a:solidFill>
+          </a:ln>
+          <a:effectLst/>
+        </p:spPr>
+        <p:style>
+          <a:lnRef idx="1">
+            <a:schemeClr val="accent4"/>
+          </a:lnRef>
+          <a:fillRef idx="2">
+            <a:schemeClr val="accent4"/>
+          </a:fillRef>
+          <a:effectRef idx="1">
+            <a:schemeClr val="accent4"/>
+          </a:effectRef>
+          <a:fontRef idx="minor">
+            <a:schemeClr val="dk1"/>
+          </a:fontRef>
+        </p:style>
+        <p:txBody>
+          <a:bodyPr rtlCol="0" anchor="ctr"/>
+          <a:lstStyle/>
+          <a:p>
+            <a:pPr algn="ctr"/>
+            <a:r>
+              <a:rPr lang="en-SG" sz="1050" dirty="0">
+                <a:solidFill>
+                  <a:srgbClr val="7030A0"/>
+                </a:solidFill>
+              </a:rPr>
+              <a:t>OT Hour</a:t>
+            </a:r>
+          </a:p>
+        </p:txBody>
+      </p:sp>
+      <p:cxnSp>
+        <p:nvCxnSpPr>
+          <p:cNvPr id="140" name="Elbow Connector 139">
+            <a:extLst>
+              <a:ext uri="{FF2B5EF4-FFF2-40B4-BE49-F238E27FC236}">
+                <a16:creationId xmlns:a16="http://schemas.microsoft.com/office/drawing/2014/main" id="{721C2700-B540-924B-9C39-B584C3E84996}"/>
+              </a:ext>
+            </a:extLst>
+          </p:cNvPr>
+          <p:cNvCxnSpPr>
+            <a:cxnSpLocks/>
+            <a:endCxn id="139" idx="1"/>
+          </p:cNvCxnSpPr>
+          <p:nvPr/>
+        </p:nvCxnSpPr>
+        <p:spPr>
+          <a:xfrm>
+            <a:off x="7277995" y="3034891"/>
+            <a:ext cx="357605" cy="1427309"/>
+          </a:xfrm>
+          <a:prstGeom prst="bentConnector3">
+            <a:avLst>
+              <a:gd name="adj1" fmla="val 50000"/>
+            </a:avLst>
+          </a:prstGeom>
+          <a:ln w="19050">
+            <a:solidFill>
+              <a:srgbClr val="7030A0"/>
+            </a:solidFill>
+            <a:headEnd type="none" w="med" len="med"/>
+            <a:tailEnd type="arrow" w="med" len="med"/>
+          </a:ln>
+          <a:effectLst/>
+        </p:spPr>
+        <p:style>
+          <a:lnRef idx="1">
+            <a:schemeClr val="accent2"/>
+          </a:lnRef>
+          <a:fillRef idx="2">
+            <a:schemeClr val="accent2"/>
+          </a:fillRef>
+          <a:effectRef idx="1">
+            <a:schemeClr val="accent2"/>
+          </a:effectRef>
+          <a:fontRef idx="minor">
+            <a:schemeClr val="dk1"/>
+          </a:fontRef>
+        </p:style>
+      </p:cxnSp>
+      <p:sp>
+        <p:nvSpPr>
+          <p:cNvPr id="141" name="Rectangle 8">
+            <a:extLst>
+              <a:ext uri="{FF2B5EF4-FFF2-40B4-BE49-F238E27FC236}">
+                <a16:creationId xmlns:a16="http://schemas.microsoft.com/office/drawing/2014/main" id="{F8F0607F-8CB6-5C49-944C-6D2AC0645B44}"/>
+              </a:ext>
+            </a:extLst>
+          </p:cNvPr>
+          <p:cNvSpPr/>
+          <p:nvPr/>
+        </p:nvSpPr>
+        <p:spPr>
+          <a:xfrm>
+            <a:off x="7635600" y="4644000"/>
+            <a:ext cx="856906" cy="284400"/>
+          </a:xfrm>
+          <a:prstGeom prst="rect">
+            <a:avLst/>
+          </a:prstGeom>
+          <a:ln w="19050">
+            <a:solidFill>
+              <a:srgbClr val="7030A0"/>
+            </a:solidFill>
+          </a:ln>
+          <a:effectLst/>
+        </p:spPr>
+        <p:style>
+          <a:lnRef idx="1">
+            <a:schemeClr val="accent4"/>
+          </a:lnRef>
+          <a:fillRef idx="2">
+            <a:schemeClr val="accent4"/>
+          </a:fillRef>
+          <a:effectRef idx="1">
+            <a:schemeClr val="accent4"/>
+          </a:effectRef>
+          <a:fontRef idx="minor">
+            <a:schemeClr val="dk1"/>
+          </a:fontRef>
+        </p:style>
+        <p:txBody>
+          <a:bodyPr rtlCol="0" anchor="ctr"/>
+          <a:lstStyle/>
+          <a:p>
+            <a:pPr algn="ctr"/>
+            <a:r>
+              <a:rPr lang="en-SG" sz="1050" dirty="0">
+                <a:solidFill>
+                  <a:srgbClr val="7030A0"/>
+                </a:solidFill>
+              </a:rPr>
+              <a:t>Deductibles</a:t>
+            </a:r>
+          </a:p>
+        </p:txBody>
+      </p:sp>
+      <p:cxnSp>
+        <p:nvCxnSpPr>
+          <p:cNvPr id="142" name="Elbow Connector 141">
+            <a:extLst>
+              <a:ext uri="{FF2B5EF4-FFF2-40B4-BE49-F238E27FC236}">
+                <a16:creationId xmlns:a16="http://schemas.microsoft.com/office/drawing/2014/main" id="{820BFEBF-3113-3C45-8D70-CC9EFAEDA1B0}"/>
+              </a:ext>
+            </a:extLst>
+          </p:cNvPr>
+          <p:cNvCxnSpPr>
+            <a:cxnSpLocks/>
+            <a:endCxn id="141" idx="1"/>
+          </p:cNvCxnSpPr>
+          <p:nvPr/>
+        </p:nvCxnSpPr>
+        <p:spPr>
+          <a:xfrm>
+            <a:off x="7277995" y="3034891"/>
+            <a:ext cx="357605" cy="1751309"/>
+          </a:xfrm>
+          <a:prstGeom prst="bentConnector3">
+            <a:avLst>
+              <a:gd name="adj1" fmla="val 50000"/>
+            </a:avLst>
+          </a:prstGeom>
+          <a:ln w="19050">
+            <a:solidFill>
+              <a:srgbClr val="7030A0"/>
+            </a:solidFill>
+            <a:headEnd type="none" w="med" len="med"/>
+            <a:tailEnd type="arrow" w="med" len="med"/>
+          </a:ln>
+          <a:effectLst/>
+        </p:spPr>
+        <p:style>
+          <a:lnRef idx="1">
+            <a:schemeClr val="accent2"/>
+          </a:lnRef>
+          <a:fillRef idx="2">
+            <a:schemeClr val="accent2"/>
+          </a:fillRef>
+          <a:effectRef idx="1">
+            <a:schemeClr val="accent2"/>
+          </a:effectRef>
+          <a:fontRef idx="minor">
+            <a:schemeClr val="dk1"/>
+          </a:fontRef>
+        </p:style>
+      </p:cxnSp>
+      <p:sp>
+        <p:nvSpPr>
+          <p:cNvPr id="143" name="Rectangle 8">
+            <a:extLst>
+              <a:ext uri="{FF2B5EF4-FFF2-40B4-BE49-F238E27FC236}">
+                <a16:creationId xmlns:a16="http://schemas.microsoft.com/office/drawing/2014/main" id="{311C6D65-B08B-2A46-AB17-79962D60292A}"/>
+              </a:ext>
+            </a:extLst>
+          </p:cNvPr>
+          <p:cNvSpPr/>
+          <p:nvPr/>
+        </p:nvSpPr>
+        <p:spPr>
+          <a:xfrm>
+            <a:off x="7635600" y="4968000"/>
+            <a:ext cx="856906" cy="284400"/>
+          </a:xfrm>
+          <a:prstGeom prst="rect">
+            <a:avLst/>
+          </a:prstGeom>
+          <a:ln w="19050">
+            <a:solidFill>
+              <a:srgbClr val="7030A0"/>
+            </a:solidFill>
+          </a:ln>
+          <a:effectLst/>
+        </p:spPr>
+        <p:style>
+          <a:lnRef idx="1">
+            <a:schemeClr val="accent4"/>
+          </a:lnRef>
+          <a:fillRef idx="2">
+            <a:schemeClr val="accent4"/>
+          </a:fillRef>
+          <a:effectRef idx="1">
+            <a:schemeClr val="accent4"/>
+          </a:effectRef>
+          <a:fontRef idx="minor">
+            <a:schemeClr val="dk1"/>
+          </a:fontRef>
+        </p:style>
+        <p:txBody>
+          <a:bodyPr rtlCol="0" anchor="ctr"/>
+          <a:lstStyle/>
+          <a:p>
+            <a:pPr algn="ctr"/>
+            <a:r>
+              <a:rPr lang="en-SG" sz="1050" dirty="0">
+                <a:solidFill>
+                  <a:srgbClr val="7030A0"/>
+                </a:solidFill>
+              </a:rPr>
+              <a:t>Rating</a:t>
+            </a:r>
+          </a:p>
+        </p:txBody>
+      </p:sp>
+      <p:cxnSp>
+        <p:nvCxnSpPr>
+          <p:cNvPr id="144" name="Elbow Connector 143">
+            <a:extLst>
+              <a:ext uri="{FF2B5EF4-FFF2-40B4-BE49-F238E27FC236}">
+                <a16:creationId xmlns:a16="http://schemas.microsoft.com/office/drawing/2014/main" id="{A76B62D2-609E-364C-8A1D-D943F16DE8B7}"/>
+              </a:ext>
+            </a:extLst>
+          </p:cNvPr>
+          <p:cNvCxnSpPr>
+            <a:cxnSpLocks/>
+            <a:endCxn id="143" idx="1"/>
+          </p:cNvCxnSpPr>
+          <p:nvPr/>
+        </p:nvCxnSpPr>
+        <p:spPr>
+          <a:xfrm>
+            <a:off x="7277995" y="3034891"/>
+            <a:ext cx="357605" cy="2075309"/>
+          </a:xfrm>
+          <a:prstGeom prst="bentConnector3">
+            <a:avLst>
+              <a:gd name="adj1" fmla="val 50000"/>
+            </a:avLst>
+          </a:prstGeom>
+          <a:ln w="19050">
+            <a:solidFill>
+              <a:srgbClr val="7030A0"/>
+            </a:solidFill>
+            <a:headEnd type="none" w="med" len="med"/>
+            <a:tailEnd type="arrow" w="med" len="med"/>
+          </a:ln>
+          <a:effectLst/>
+        </p:spPr>
+        <p:style>
+          <a:lnRef idx="1">
+            <a:schemeClr val="accent2"/>
+          </a:lnRef>
+          <a:fillRef idx="2">
+            <a:schemeClr val="accent2"/>
+          </a:fillRef>
+          <a:effectRef idx="1">
+            <a:schemeClr val="accent2"/>
+          </a:effectRef>
+          <a:fontRef idx="minor">
+            <a:schemeClr val="dk1"/>
+          </a:fontRef>
+        </p:style>
+      </p:cxnSp>
+      <p:sp>
+        <p:nvSpPr>
+          <p:cNvPr id="145" name="Rectangle 8">
+            <a:extLst>
+              <a:ext uri="{FF2B5EF4-FFF2-40B4-BE49-F238E27FC236}">
+                <a16:creationId xmlns:a16="http://schemas.microsoft.com/office/drawing/2014/main" id="{42BA2CE4-1BB7-1B47-BD25-1FCCA5A5CF86}"/>
+              </a:ext>
+            </a:extLst>
+          </p:cNvPr>
+          <p:cNvSpPr/>
+          <p:nvPr/>
+        </p:nvSpPr>
+        <p:spPr>
+          <a:xfrm>
+            <a:off x="7635600" y="5292000"/>
+            <a:ext cx="856906" cy="284400"/>
+          </a:xfrm>
+          <a:prstGeom prst="rect">
+            <a:avLst/>
+          </a:prstGeom>
+          <a:ln w="19050">
+            <a:solidFill>
+              <a:srgbClr val="7030A0"/>
+            </a:solidFill>
+          </a:ln>
+          <a:effectLst/>
+        </p:spPr>
+        <p:style>
+          <a:lnRef idx="1">
+            <a:schemeClr val="accent4"/>
+          </a:lnRef>
+          <a:fillRef idx="2">
+            <a:schemeClr val="accent4"/>
+          </a:fillRef>
+          <a:effectRef idx="1">
+            <a:schemeClr val="accent4"/>
+          </a:effectRef>
+          <a:fontRef idx="minor">
+            <a:schemeClr val="dk1"/>
+          </a:fontRef>
+        </p:style>
+        <p:txBody>
+          <a:bodyPr rtlCol="0" anchor="ctr"/>
+          <a:lstStyle/>
+          <a:p>
+            <a:pPr algn="ctr"/>
+            <a:r>
+              <a:rPr lang="en-SG" sz="1050" dirty="0">
+                <a:solidFill>
+                  <a:srgbClr val="7030A0"/>
+                </a:solidFill>
+              </a:rPr>
+              <a:t>Feedback</a:t>
+            </a:r>
+          </a:p>
+        </p:txBody>
+      </p:sp>
+      <p:cxnSp>
+        <p:nvCxnSpPr>
+          <p:cNvPr id="146" name="Elbow Connector 145">
+            <a:extLst>
+              <a:ext uri="{FF2B5EF4-FFF2-40B4-BE49-F238E27FC236}">
+                <a16:creationId xmlns:a16="http://schemas.microsoft.com/office/drawing/2014/main" id="{D2527C84-6E55-2B41-9238-3E0DB6AC2819}"/>
+              </a:ext>
+            </a:extLst>
+          </p:cNvPr>
+          <p:cNvCxnSpPr>
+            <a:cxnSpLocks/>
+            <a:endCxn id="145" idx="1"/>
+          </p:cNvCxnSpPr>
+          <p:nvPr/>
+        </p:nvCxnSpPr>
+        <p:spPr>
+          <a:xfrm>
+            <a:off x="7277995" y="3034891"/>
+            <a:ext cx="357605" cy="2399309"/>
+          </a:xfrm>
+          <a:prstGeom prst="bentConnector3">
+            <a:avLst>
+              <a:gd name="adj1" fmla="val 50000"/>
+            </a:avLst>
+          </a:prstGeom>
+          <a:ln w="19050">
+            <a:solidFill>
+              <a:srgbClr val="7030A0"/>
+            </a:solidFill>
+            <a:headEnd type="none" w="med" len="med"/>
+            <a:tailEnd type="arrow" w="med" len="med"/>
           </a:ln>
           <a:effectLst/>
         </p:spPr>
